--- a/DataRe-Analysis/Figures/NewFigure_06-18-15_NV_v2.pptx
+++ b/DataRe-Analysis/Figures/NewFigure_06-18-15_NV_v2.pptx
@@ -133,7 +133,7 @@
           <c:order val="0"/>
           <c:tx>
             <c:strRef>
-              <c:f>Figure!$B$25</c:f>
+              <c:f>'Figure 3'!$B$25</c:f>
               <c:strCache>
                 <c:ptCount val="1"/>
                 <c:pt idx="0">
@@ -150,7 +150,7 @@
           <c:invertIfNegative val="0"/>
           <c:val>
             <c:numRef>
-              <c:f>Figure!$B$26:$B$28</c:f>
+              <c:f>'Figure 3'!$B$26:$B$28</c:f>
               <c:numCache>
                 <c:formatCode>0%</c:formatCode>
                 <c:ptCount val="3"/>
@@ -172,7 +172,7 @@
           <c:order val="1"/>
           <c:tx>
             <c:strRef>
-              <c:f>Figure!$C$25</c:f>
+              <c:f>'Figure 3'!$C$25</c:f>
               <c:strCache>
                 <c:ptCount val="1"/>
                 <c:pt idx="0">
@@ -189,7 +189,7 @@
           <c:invertIfNegative val="0"/>
           <c:val>
             <c:numRef>
-              <c:f>Figure!$C$26:$C$28</c:f>
+              <c:f>'Figure 3'!$C$26:$C$28</c:f>
               <c:numCache>
                 <c:formatCode>0%</c:formatCode>
                 <c:ptCount val="3"/>
@@ -211,7 +211,7 @@
           <c:order val="2"/>
           <c:tx>
             <c:strRef>
-              <c:f>Figure!$D$25</c:f>
+              <c:f>'Figure 3'!$D$25</c:f>
               <c:strCache>
                 <c:ptCount val="1"/>
                 <c:pt idx="0">
@@ -228,7 +228,7 @@
           <c:invertIfNegative val="0"/>
           <c:val>
             <c:numRef>
-              <c:f>Figure!$D$26:$D$28</c:f>
+              <c:f>'Figure 3'!$D$26:$D$28</c:f>
               <c:numCache>
                 <c:formatCode>0%</c:formatCode>
                 <c:ptCount val="3"/>
@@ -3368,7 +3368,7 @@
           <p:nvPr>
             <p:extLst>
               <p:ext uri="{D42A27DB-BD31-4B8C-83A1-F6EECF244321}">
-                <p14:modId xmlns:p14="http://schemas.microsoft.com/office/powerpoint/2010/main" val="1262167054"/>
+                <p14:modId xmlns:p14="http://schemas.microsoft.com/office/powerpoint/2010/main" val="3099885181"/>
               </p:ext>
             </p:extLst>
           </p:nvPr>
